--- a/PSD/タイトルロゴ.pptx
+++ b/PSD/タイトルロゴ.pptx
@@ -104,6 +104,11 @@
       </a:defRPr>
     </a:lvl9pPr>
   </p:defaultTextStyle>
+  <p:extLst>
+    <p:ext uri="{EFAFB233-063F-42B5-8137-9DF3F51BA10A}">
+      <p15:sldGuideLst xmlns:p15="http://schemas.microsoft.com/office/powerpoint/2012/main"/>
+    </p:ext>
+  </p:extLst>
 </p:presentation>
 </file>
 
@@ -238,7 +243,7 @@
           <a:p>
             <a:fld id="{C92A50A5-6C9A-4B23-8BB7-84BD7268E78E}" type="datetimeFigureOut">
               <a:rPr kumimoji="1" lang="ja-JP" altLang="en-US" smtClean="0"/>
-              <a:t>2022/10/17</a:t>
+              <a:t>2022/10/18</a:t>
             </a:fld>
             <a:endParaRPr kumimoji="1" lang="ja-JP" altLang="en-US"/>
           </a:p>
@@ -440,7 +445,7 @@
           <a:p>
             <a:fld id="{C92A50A5-6C9A-4B23-8BB7-84BD7268E78E}" type="datetimeFigureOut">
               <a:rPr kumimoji="1" lang="ja-JP" altLang="en-US" smtClean="0"/>
-              <a:t>2022/10/17</a:t>
+              <a:t>2022/10/18</a:t>
             </a:fld>
             <a:endParaRPr kumimoji="1" lang="ja-JP" altLang="en-US"/>
           </a:p>
@@ -652,7 +657,7 @@
           <a:p>
             <a:fld id="{C92A50A5-6C9A-4B23-8BB7-84BD7268E78E}" type="datetimeFigureOut">
               <a:rPr kumimoji="1" lang="ja-JP" altLang="en-US" smtClean="0"/>
-              <a:t>2022/10/17</a:t>
+              <a:t>2022/10/18</a:t>
             </a:fld>
             <a:endParaRPr kumimoji="1" lang="ja-JP" altLang="en-US"/>
           </a:p>
@@ -854,7 +859,7 @@
           <a:p>
             <a:fld id="{C92A50A5-6C9A-4B23-8BB7-84BD7268E78E}" type="datetimeFigureOut">
               <a:rPr kumimoji="1" lang="ja-JP" altLang="en-US" smtClean="0"/>
-              <a:t>2022/10/17</a:t>
+              <a:t>2022/10/18</a:t>
             </a:fld>
             <a:endParaRPr kumimoji="1" lang="ja-JP" altLang="en-US"/>
           </a:p>
@@ -1100,7 +1105,7 @@
           <a:p>
             <a:fld id="{C92A50A5-6C9A-4B23-8BB7-84BD7268E78E}" type="datetimeFigureOut">
               <a:rPr kumimoji="1" lang="ja-JP" altLang="en-US" smtClean="0"/>
-              <a:t>2022/10/17</a:t>
+              <a:t>2022/10/18</a:t>
             </a:fld>
             <a:endParaRPr kumimoji="1" lang="ja-JP" altLang="en-US"/>
           </a:p>
@@ -1396,7 +1401,7 @@
           <a:p>
             <a:fld id="{C92A50A5-6C9A-4B23-8BB7-84BD7268E78E}" type="datetimeFigureOut">
               <a:rPr kumimoji="1" lang="ja-JP" altLang="en-US" smtClean="0"/>
-              <a:t>2022/10/17</a:t>
+              <a:t>2022/10/18</a:t>
             </a:fld>
             <a:endParaRPr kumimoji="1" lang="ja-JP" altLang="en-US"/>
           </a:p>
@@ -1827,7 +1832,7 @@
           <a:p>
             <a:fld id="{C92A50A5-6C9A-4B23-8BB7-84BD7268E78E}" type="datetimeFigureOut">
               <a:rPr kumimoji="1" lang="ja-JP" altLang="en-US" smtClean="0"/>
-              <a:t>2022/10/17</a:t>
+              <a:t>2022/10/18</a:t>
             </a:fld>
             <a:endParaRPr kumimoji="1" lang="ja-JP" altLang="en-US"/>
           </a:p>
@@ -1945,7 +1950,7 @@
           <a:p>
             <a:fld id="{C92A50A5-6C9A-4B23-8BB7-84BD7268E78E}" type="datetimeFigureOut">
               <a:rPr kumimoji="1" lang="ja-JP" altLang="en-US" smtClean="0"/>
-              <a:t>2022/10/17</a:t>
+              <a:t>2022/10/18</a:t>
             </a:fld>
             <a:endParaRPr kumimoji="1" lang="ja-JP" altLang="en-US"/>
           </a:p>
@@ -2040,7 +2045,7 @@
           <a:p>
             <a:fld id="{C92A50A5-6C9A-4B23-8BB7-84BD7268E78E}" type="datetimeFigureOut">
               <a:rPr kumimoji="1" lang="ja-JP" altLang="en-US" smtClean="0"/>
-              <a:t>2022/10/17</a:t>
+              <a:t>2022/10/18</a:t>
             </a:fld>
             <a:endParaRPr kumimoji="1" lang="ja-JP" altLang="en-US"/>
           </a:p>
@@ -2349,7 +2354,7 @@
           <a:p>
             <a:fld id="{C92A50A5-6C9A-4B23-8BB7-84BD7268E78E}" type="datetimeFigureOut">
               <a:rPr kumimoji="1" lang="ja-JP" altLang="en-US" smtClean="0"/>
-              <a:t>2022/10/17</a:t>
+              <a:t>2022/10/18</a:t>
             </a:fld>
             <a:endParaRPr kumimoji="1" lang="ja-JP" altLang="en-US"/>
           </a:p>
@@ -2602,7 +2607,7 @@
           <a:p>
             <a:fld id="{C92A50A5-6C9A-4B23-8BB7-84BD7268E78E}" type="datetimeFigureOut">
               <a:rPr kumimoji="1" lang="ja-JP" altLang="en-US" smtClean="0"/>
-              <a:t>2022/10/17</a:t>
+              <a:t>2022/10/18</a:t>
             </a:fld>
             <a:endParaRPr kumimoji="1" lang="ja-JP" altLang="en-US"/>
           </a:p>
@@ -2847,7 +2852,7 @@
           <a:p>
             <a:fld id="{C92A50A5-6C9A-4B23-8BB7-84BD7268E78E}" type="datetimeFigureOut">
               <a:rPr kumimoji="1" lang="ja-JP" altLang="en-US" smtClean="0"/>
-              <a:t>2022/10/17</a:t>
+              <a:t>2022/10/18</a:t>
             </a:fld>
             <a:endParaRPr kumimoji="1" lang="ja-JP" altLang="en-US"/>
           </a:p>
@@ -3274,8 +3279,8 @@
         </p:blipFill>
         <p:spPr>
           <a:xfrm rot="21189727" flipH="1">
-            <a:off x="1044870" y="3621161"/>
-            <a:ext cx="2681915" cy="1617530"/>
+            <a:off x="1292520" y="1822714"/>
+            <a:ext cx="2681915" cy="1617529"/>
           </a:xfrm>
           <a:prstGeom prst="rect">
             <a:avLst/>
@@ -3304,7 +3309,7 @@
         </p:blipFill>
         <p:spPr>
           <a:xfrm>
-            <a:off x="5108111" y="1835635"/>
+            <a:off x="9781847" y="2503556"/>
             <a:ext cx="1527353" cy="1527353"/>
           </a:xfrm>
           <a:prstGeom prst="rect">
@@ -3365,35 +3370,30 @@
           <a:lstStyle/>
           <a:p>
             <a:r>
-              <a:rPr lang="ja-JP" altLang="en-US" sz="6000" dirty="0">
+              <a:rPr lang="ja-JP" altLang="en-US" sz="6000" dirty="0" smtClean="0">
+                <a:ln w="6350">
+                  <a:solidFill>
+                    <a:schemeClr val="tx1"/>
+                  </a:solidFill>
+                </a:ln>
                 <a:gradFill flip="none" rotWithShape="1">
                   <a:gsLst>
                     <a:gs pos="0">
-                      <a:schemeClr val="accent6">
-                        <a:lumMod val="75000"/>
-                      </a:schemeClr>
-                    </a:gs>
-                    <a:gs pos="35000">
-                      <a:schemeClr val="accent6">
+                      <a:schemeClr val="accent1">
                         <a:lumMod val="20000"/>
                         <a:lumOff val="80000"/>
                       </a:schemeClr>
                     </a:gs>
                     <a:gs pos="100000">
-                      <a:schemeClr val="accent6">
-                        <a:lumMod val="100000"/>
-                      </a:schemeClr>
+                      <a:schemeClr val="accent1"/>
                     </a:gs>
                   </a:gsLst>
-                  <a:path path="circle">
-                    <a:fillToRect l="50000" t="-80000" r="50000" b="180000"/>
-                  </a:path>
+                  <a:lin ang="2700000" scaled="1"/>
                   <a:tileRect/>
                 </a:gradFill>
                 <a:effectLst>
                   <a:glow rad="101600">
-                    <a:schemeClr val="accent6">
-                      <a:satMod val="175000"/>
+                    <a:schemeClr val="accent1">
                       <a:alpha val="40000"/>
                     </a:schemeClr>
                   </a:glow>
@@ -3403,74 +3403,30 @@
               </a:rPr>
               <a:t>ファイティングゴーカート</a:t>
             </a:r>
-            <a:r>
-              <a:rPr lang="ja-JP" altLang="en-US" sz="6000" dirty="0" smtClean="0">
-                <a:gradFill flip="none" rotWithShape="1">
-                  <a:gsLst>
-                    <a:gs pos="0">
-                      <a:schemeClr val="accent6">
-                        <a:lumMod val="50000"/>
-                      </a:schemeClr>
-                    </a:gs>
-                    <a:gs pos="35000">
-                      <a:schemeClr val="accent6">
-                        <a:lumMod val="20000"/>
-                        <a:lumOff val="80000"/>
-                      </a:schemeClr>
-                    </a:gs>
-                    <a:gs pos="100000">
-                      <a:schemeClr val="accent6">
-                        <a:lumMod val="100000"/>
-                      </a:schemeClr>
-                    </a:gs>
-                  </a:gsLst>
-                  <a:path path="circle">
-                    <a:fillToRect l="50000" t="-80000" r="50000" b="180000"/>
-                  </a:path>
-                  <a:tileRect/>
-                </a:gradFill>
-                <a:effectLst>
-                  <a:glow rad="101600">
-                    <a:schemeClr val="accent6">
-                      <a:satMod val="175000"/>
-                      <a:alpha val="40000"/>
-                    </a:schemeClr>
-                  </a:glow>
-                </a:effectLst>
-                <a:latin typeface="チェックポイントフォント" panose="02000600000000000000" pitchFamily="2" charset="-128"/>
-                <a:ea typeface="チェックポイントフォント" panose="02000600000000000000" pitchFamily="2" charset="-128"/>
-              </a:rPr>
-              <a:t>！</a:t>
-            </a:r>
             <a:endParaRPr lang="ja-JP" altLang="en-US" sz="6000" dirty="0">
+              <a:ln w="6350">
+                <a:solidFill>
+                  <a:schemeClr val="tx1"/>
+                </a:solidFill>
+              </a:ln>
               <a:gradFill flip="none" rotWithShape="1">
                 <a:gsLst>
                   <a:gs pos="0">
-                    <a:schemeClr val="accent6">
-                      <a:lumMod val="50000"/>
-                    </a:schemeClr>
-                  </a:gs>
-                  <a:gs pos="35000">
-                    <a:schemeClr val="accent6">
+                    <a:schemeClr val="accent1">
                       <a:lumMod val="20000"/>
                       <a:lumOff val="80000"/>
                     </a:schemeClr>
                   </a:gs>
                   <a:gs pos="100000">
-                    <a:schemeClr val="accent6">
-                      <a:lumMod val="100000"/>
-                    </a:schemeClr>
+                    <a:schemeClr val="accent1"/>
                   </a:gs>
                 </a:gsLst>
-                <a:path path="circle">
-                  <a:fillToRect l="50000" t="-80000" r="50000" b="180000"/>
-                </a:path>
+                <a:lin ang="2700000" scaled="1"/>
                 <a:tileRect/>
               </a:gradFill>
               <a:effectLst>
                 <a:glow rad="101600">
-                  <a:schemeClr val="accent6">
-                    <a:satMod val="175000"/>
+                  <a:schemeClr val="accent1">
                     <a:alpha val="40000"/>
                   </a:schemeClr>
                 </a:glow>
@@ -3481,6 +3437,82 @@
           </a:p>
         </p:txBody>
       </p:sp>
+      <p:pic>
+        <p:nvPicPr>
+          <p:cNvPr id="1026" name="Picture 2" descr="バナナの皮のイラスト"/>
+          <p:cNvPicPr>
+            <a:picLocks noChangeAspect="1" noChangeArrowheads="1"/>
+          </p:cNvPicPr>
+          <p:nvPr/>
+        </p:nvPicPr>
+        <p:blipFill>
+          <a:blip r:embed="rId5" cstate="print">
+            <a:extLst>
+              <a:ext uri="{28A0092B-C50C-407E-A947-70E740481C1C}">
+                <a14:useLocalDpi xmlns:a14="http://schemas.microsoft.com/office/drawing/2010/main" val="0"/>
+              </a:ext>
+            </a:extLst>
+          </a:blip>
+          <a:srcRect/>
+          <a:stretch>
+            <a:fillRect/>
+          </a:stretch>
+        </p:blipFill>
+        <p:spPr bwMode="auto">
+          <a:xfrm>
+            <a:off x="5765800" y="3892487"/>
+            <a:ext cx="973169" cy="973169"/>
+          </a:xfrm>
+          <a:prstGeom prst="rect">
+            <a:avLst/>
+          </a:prstGeom>
+          <a:noFill/>
+          <a:extLst>
+            <a:ext uri="{909E8E84-426E-40DD-AFC4-6F175D3DCCD1}">
+              <a14:hiddenFill xmlns:a14="http://schemas.microsoft.com/office/drawing/2010/main">
+                <a:solidFill>
+                  <a:srgbClr val="FFFFFF"/>
+                </a:solidFill>
+              </a14:hiddenFill>
+            </a:ext>
+          </a:extLst>
+        </p:spPr>
+      </p:pic>
+      <p:pic>
+        <p:nvPicPr>
+          <p:cNvPr id="9" name="図 8"/>
+          <p:cNvPicPr>
+            <a:picLocks noChangeAspect="1"/>
+          </p:cNvPicPr>
+          <p:nvPr/>
+        </p:nvPicPr>
+        <p:blipFill rotWithShape="1">
+          <a:blip r:embed="rId6">
+            <a:extLst>
+              <a:ext uri="{BEBA8EAE-BF5A-486C-A8C5-ECC9F3942E4B}">
+                <a14:imgProps xmlns:a14="http://schemas.microsoft.com/office/drawing/2010/main">
+                  <a14:imgLayer r:embed="rId7">
+                    <a14:imgEffect>
+                      <a14:backgroundRemoval t="13402" b="90722" l="7692" r="73504"/>
+                    </a14:imgEffect>
+                  </a14:imgLayer>
+                </a14:imgProps>
+              </a:ext>
+            </a:extLst>
+          </a:blip>
+          <a:srcRect t="10831" r="17526"/>
+          <a:stretch/>
+        </p:blipFill>
+        <p:spPr>
+          <a:xfrm rot="2573563">
+            <a:off x="6624262" y="4114664"/>
+            <a:ext cx="1084555" cy="972159"/>
+          </a:xfrm>
+          <a:prstGeom prst="rect">
+            <a:avLst/>
+          </a:prstGeom>
+        </p:spPr>
+      </p:pic>
     </p:spTree>
     <p:extLst>
       <p:ext uri="{BB962C8B-B14F-4D97-AF65-F5344CB8AC3E}">

--- a/PSD/タイトルロゴ.pptx
+++ b/PSD/タイトルロゴ.pptx
@@ -6,6 +6,7 @@
   </p:sldMasterIdLst>
   <p:sldIdLst>
     <p:sldId id="256" r:id="rId2"/>
+    <p:sldId id="257" r:id="rId3"/>
   </p:sldIdLst>
   <p:sldSz cx="12192000" cy="6858000"/>
   <p:notesSz cx="6858000" cy="9144000"/>
@@ -3533,6 +3534,227 @@
 </p:sld>
 </file>
 
+<file path=ppt/slides/slide2.xml><?xml version="1.0" encoding="utf-8"?>
+<p:sld xmlns:a="http://schemas.openxmlformats.org/drawingml/2006/main" xmlns:r="http://schemas.openxmlformats.org/officeDocument/2006/relationships" xmlns:p="http://schemas.openxmlformats.org/presentationml/2006/main">
+  <p:cSld>
+    <p:bg>
+      <p:bgPr>
+        <a:blipFill dpi="0" rotWithShape="1">
+          <a:blip r:embed="rId2">
+            <a:alphaModFix amt="29000"/>
+            <a:lum/>
+          </a:blip>
+          <a:srcRect/>
+          <a:tile tx="0" ty="0" sx="20000" sy="20000" flip="none" algn="tl"/>
+        </a:blipFill>
+        <a:effectLst/>
+      </p:bgPr>
+    </p:bg>
+    <p:spTree>
+      <p:nvGrpSpPr>
+        <p:cNvPr id="1" name=""/>
+        <p:cNvGrpSpPr/>
+        <p:nvPr/>
+      </p:nvGrpSpPr>
+      <p:grpSpPr>
+        <a:xfrm>
+          <a:off x="0" y="0"/>
+          <a:ext cx="0" cy="0"/>
+          <a:chOff x="0" y="0"/>
+          <a:chExt cx="0" cy="0"/>
+        </a:xfrm>
+      </p:grpSpPr>
+      <p:sp>
+        <p:nvSpPr>
+          <p:cNvPr id="2" name="正方形/長方形 1"/>
+          <p:cNvSpPr/>
+          <p:nvPr/>
+        </p:nvSpPr>
+        <p:spPr>
+          <a:xfrm>
+            <a:off x="1" y="0"/>
+            <a:ext cx="12192000" cy="6858000"/>
+          </a:xfrm>
+          <a:prstGeom prst="rect">
+            <a:avLst/>
+          </a:prstGeom>
+          <a:solidFill>
+            <a:schemeClr val="tx1">
+              <a:alpha val="20000"/>
+            </a:schemeClr>
+          </a:solidFill>
+          <a:ln>
+            <a:noFill/>
+          </a:ln>
+        </p:spPr>
+        <p:style>
+          <a:lnRef idx="2">
+            <a:schemeClr val="accent1">
+              <a:shade val="50000"/>
+            </a:schemeClr>
+          </a:lnRef>
+          <a:fillRef idx="1">
+            <a:schemeClr val="accent1"/>
+          </a:fillRef>
+          <a:effectRef idx="0">
+            <a:schemeClr val="accent1"/>
+          </a:effectRef>
+          <a:fontRef idx="minor">
+            <a:schemeClr val="lt1"/>
+          </a:fontRef>
+        </p:style>
+        <p:txBody>
+          <a:bodyPr rtlCol="0" anchor="ctr"/>
+          <a:lstStyle/>
+          <a:p>
+            <a:pPr algn="ctr"/>
+            <a:endParaRPr kumimoji="1" lang="ja-JP" altLang="en-US">
+              <a:effectLst>
+                <a:glow rad="139700">
+                  <a:schemeClr val="accent1">
+                    <a:satMod val="175000"/>
+                    <a:alpha val="40000"/>
+                  </a:schemeClr>
+                </a:glow>
+              </a:effectLst>
+            </a:endParaRPr>
+          </a:p>
+        </p:txBody>
+      </p:sp>
+      <p:sp>
+        <p:nvSpPr>
+          <p:cNvPr id="3" name="テキスト ボックス 2"/>
+          <p:cNvSpPr txBox="1"/>
+          <p:nvPr/>
+        </p:nvSpPr>
+        <p:spPr>
+          <a:xfrm>
+            <a:off x="2346961" y="0"/>
+            <a:ext cx="7498080" cy="1107996"/>
+          </a:xfrm>
+          <a:prstGeom prst="rect">
+            <a:avLst/>
+          </a:prstGeom>
+          <a:noFill/>
+        </p:spPr>
+        <p:txBody>
+          <a:bodyPr wrap="square" rtlCol="0">
+            <a:spAutoFit/>
+          </a:bodyPr>
+          <a:lstStyle/>
+          <a:p>
+            <a:pPr algn="ctr"/>
+            <a:r>
+              <a:rPr kumimoji="1" lang="ja-JP" altLang="en-US" sz="6600" dirty="0" smtClean="0">
+                <a:ln w="0"/>
+                <a:gradFill>
+                  <a:gsLst>
+                    <a:gs pos="0">
+                      <a:schemeClr val="accent1">
+                        <a:lumMod val="5000"/>
+                        <a:lumOff val="95000"/>
+                      </a:schemeClr>
+                    </a:gs>
+                    <a:gs pos="74000">
+                      <a:schemeClr val="accent1">
+                        <a:lumMod val="45000"/>
+                        <a:lumOff val="55000"/>
+                      </a:schemeClr>
+                    </a:gs>
+                    <a:gs pos="83000">
+                      <a:schemeClr val="accent1">
+                        <a:lumMod val="45000"/>
+                        <a:lumOff val="55000"/>
+                      </a:schemeClr>
+                    </a:gs>
+                    <a:gs pos="100000">
+                      <a:schemeClr val="accent1">
+                        <a:lumMod val="30000"/>
+                        <a:lumOff val="70000"/>
+                      </a:schemeClr>
+                    </a:gs>
+                  </a:gsLst>
+                  <a:lin ang="5400000" scaled="1"/>
+                </a:gradFill>
+                <a:effectLst>
+                  <a:glow rad="101600">
+                    <a:schemeClr val="accent1">
+                      <a:alpha val="40000"/>
+                    </a:schemeClr>
+                  </a:glow>
+                  <a:outerShdw blurRad="38100" dist="25400" dir="5400000" algn="ctr" rotWithShape="0">
+                    <a:srgbClr val="6E747A">
+                      <a:alpha val="43000"/>
+                    </a:srgbClr>
+                  </a:outerShdw>
+                </a:effectLst>
+                <a:latin typeface="ふんわりラウンド" panose="02000700000000000000" pitchFamily="50" charset="-128"/>
+                <a:ea typeface="ふんわりラウンド" panose="02000700000000000000" pitchFamily="50" charset="-128"/>
+              </a:rPr>
+              <a:t>けっかはっぴょう</a:t>
+            </a:r>
+            <a:endParaRPr kumimoji="1" lang="ja-JP" altLang="en-US" dirty="0">
+              <a:ln w="0"/>
+              <a:gradFill>
+                <a:gsLst>
+                  <a:gs pos="0">
+                    <a:schemeClr val="accent1">
+                      <a:lumMod val="5000"/>
+                      <a:lumOff val="95000"/>
+                    </a:schemeClr>
+                  </a:gs>
+                  <a:gs pos="74000">
+                    <a:schemeClr val="accent1">
+                      <a:lumMod val="45000"/>
+                      <a:lumOff val="55000"/>
+                    </a:schemeClr>
+                  </a:gs>
+                  <a:gs pos="83000">
+                    <a:schemeClr val="accent1">
+                      <a:lumMod val="45000"/>
+                      <a:lumOff val="55000"/>
+                    </a:schemeClr>
+                  </a:gs>
+                  <a:gs pos="100000">
+                    <a:schemeClr val="accent1">
+                      <a:lumMod val="30000"/>
+                      <a:lumOff val="70000"/>
+                    </a:schemeClr>
+                  </a:gs>
+                </a:gsLst>
+                <a:lin ang="5400000" scaled="1"/>
+              </a:gradFill>
+              <a:effectLst>
+                <a:glow rad="101600">
+                  <a:schemeClr val="accent1">
+                    <a:alpha val="40000"/>
+                  </a:schemeClr>
+                </a:glow>
+                <a:outerShdw blurRad="38100" dist="25400" dir="5400000" algn="ctr" rotWithShape="0">
+                  <a:srgbClr val="6E747A">
+                    <a:alpha val="43000"/>
+                  </a:srgbClr>
+                </a:outerShdw>
+              </a:effectLst>
+              <a:latin typeface="ふんわりラウンド" panose="02000700000000000000" pitchFamily="50" charset="-128"/>
+              <a:ea typeface="ふんわりラウンド" panose="02000700000000000000" pitchFamily="50" charset="-128"/>
+            </a:endParaRPr>
+          </a:p>
+        </p:txBody>
+      </p:sp>
+    </p:spTree>
+    <p:extLst>
+      <p:ext uri="{BB962C8B-B14F-4D97-AF65-F5344CB8AC3E}">
+        <p14:creationId xmlns:p14="http://schemas.microsoft.com/office/powerpoint/2010/main" val="3128503766"/>
+      </p:ext>
+    </p:extLst>
+  </p:cSld>
+  <p:clrMapOvr>
+    <a:masterClrMapping/>
+  </p:clrMapOvr>
+</p:sld>
+</file>
+
 <file path=ppt/theme/theme1.xml><?xml version="1.0" encoding="utf-8"?>
 <a:theme xmlns:a="http://schemas.openxmlformats.org/drawingml/2006/main" name="Office テーマ">
   <a:themeElements>

--- a/PSD/タイトルロゴ.pptx
+++ b/PSD/タイトルロゴ.pptx
@@ -244,7 +244,7 @@
           <a:p>
             <a:fld id="{C92A50A5-6C9A-4B23-8BB7-84BD7268E78E}" type="datetimeFigureOut">
               <a:rPr kumimoji="1" lang="ja-JP" altLang="en-US" smtClean="0"/>
-              <a:t>2022/10/18</a:t>
+              <a:t>2022/11/9</a:t>
             </a:fld>
             <a:endParaRPr kumimoji="1" lang="ja-JP" altLang="en-US"/>
           </a:p>
@@ -446,7 +446,7 @@
           <a:p>
             <a:fld id="{C92A50A5-6C9A-4B23-8BB7-84BD7268E78E}" type="datetimeFigureOut">
               <a:rPr kumimoji="1" lang="ja-JP" altLang="en-US" smtClean="0"/>
-              <a:t>2022/10/18</a:t>
+              <a:t>2022/11/9</a:t>
             </a:fld>
             <a:endParaRPr kumimoji="1" lang="ja-JP" altLang="en-US"/>
           </a:p>
@@ -658,7 +658,7 @@
           <a:p>
             <a:fld id="{C92A50A5-6C9A-4B23-8BB7-84BD7268E78E}" type="datetimeFigureOut">
               <a:rPr kumimoji="1" lang="ja-JP" altLang="en-US" smtClean="0"/>
-              <a:t>2022/10/18</a:t>
+              <a:t>2022/11/9</a:t>
             </a:fld>
             <a:endParaRPr kumimoji="1" lang="ja-JP" altLang="en-US"/>
           </a:p>
@@ -860,7 +860,7 @@
           <a:p>
             <a:fld id="{C92A50A5-6C9A-4B23-8BB7-84BD7268E78E}" type="datetimeFigureOut">
               <a:rPr kumimoji="1" lang="ja-JP" altLang="en-US" smtClean="0"/>
-              <a:t>2022/10/18</a:t>
+              <a:t>2022/11/9</a:t>
             </a:fld>
             <a:endParaRPr kumimoji="1" lang="ja-JP" altLang="en-US"/>
           </a:p>
@@ -1106,7 +1106,7 @@
           <a:p>
             <a:fld id="{C92A50A5-6C9A-4B23-8BB7-84BD7268E78E}" type="datetimeFigureOut">
               <a:rPr kumimoji="1" lang="ja-JP" altLang="en-US" smtClean="0"/>
-              <a:t>2022/10/18</a:t>
+              <a:t>2022/11/9</a:t>
             </a:fld>
             <a:endParaRPr kumimoji="1" lang="ja-JP" altLang="en-US"/>
           </a:p>
@@ -1402,7 +1402,7 @@
           <a:p>
             <a:fld id="{C92A50A5-6C9A-4B23-8BB7-84BD7268E78E}" type="datetimeFigureOut">
               <a:rPr kumimoji="1" lang="ja-JP" altLang="en-US" smtClean="0"/>
-              <a:t>2022/10/18</a:t>
+              <a:t>2022/11/9</a:t>
             </a:fld>
             <a:endParaRPr kumimoji="1" lang="ja-JP" altLang="en-US"/>
           </a:p>
@@ -1833,7 +1833,7 @@
           <a:p>
             <a:fld id="{C92A50A5-6C9A-4B23-8BB7-84BD7268E78E}" type="datetimeFigureOut">
               <a:rPr kumimoji="1" lang="ja-JP" altLang="en-US" smtClean="0"/>
-              <a:t>2022/10/18</a:t>
+              <a:t>2022/11/9</a:t>
             </a:fld>
             <a:endParaRPr kumimoji="1" lang="ja-JP" altLang="en-US"/>
           </a:p>
@@ -1951,7 +1951,7 @@
           <a:p>
             <a:fld id="{C92A50A5-6C9A-4B23-8BB7-84BD7268E78E}" type="datetimeFigureOut">
               <a:rPr kumimoji="1" lang="ja-JP" altLang="en-US" smtClean="0"/>
-              <a:t>2022/10/18</a:t>
+              <a:t>2022/11/9</a:t>
             </a:fld>
             <a:endParaRPr kumimoji="1" lang="ja-JP" altLang="en-US"/>
           </a:p>
@@ -2046,7 +2046,7 @@
           <a:p>
             <a:fld id="{C92A50A5-6C9A-4B23-8BB7-84BD7268E78E}" type="datetimeFigureOut">
               <a:rPr kumimoji="1" lang="ja-JP" altLang="en-US" smtClean="0"/>
-              <a:t>2022/10/18</a:t>
+              <a:t>2022/11/9</a:t>
             </a:fld>
             <a:endParaRPr kumimoji="1" lang="ja-JP" altLang="en-US"/>
           </a:p>
@@ -2355,7 +2355,7 @@
           <a:p>
             <a:fld id="{C92A50A5-6C9A-4B23-8BB7-84BD7268E78E}" type="datetimeFigureOut">
               <a:rPr kumimoji="1" lang="ja-JP" altLang="en-US" smtClean="0"/>
-              <a:t>2022/10/18</a:t>
+              <a:t>2022/11/9</a:t>
             </a:fld>
             <a:endParaRPr kumimoji="1" lang="ja-JP" altLang="en-US"/>
           </a:p>
@@ -2608,7 +2608,7 @@
           <a:p>
             <a:fld id="{C92A50A5-6C9A-4B23-8BB7-84BD7268E78E}" type="datetimeFigureOut">
               <a:rPr kumimoji="1" lang="ja-JP" altLang="en-US" smtClean="0"/>
-              <a:t>2022/10/18</a:t>
+              <a:t>2022/11/9</a:t>
             </a:fld>
             <a:endParaRPr kumimoji="1" lang="ja-JP" altLang="en-US"/>
           </a:p>
@@ -2853,7 +2853,7 @@
           <a:p>
             <a:fld id="{C92A50A5-6C9A-4B23-8BB7-84BD7268E78E}" type="datetimeFigureOut">
               <a:rPr kumimoji="1" lang="ja-JP" altLang="en-US" smtClean="0"/>
-              <a:t>2022/10/18</a:t>
+              <a:t>2022/11/9</a:t>
             </a:fld>
             <a:endParaRPr kumimoji="1" lang="ja-JP" altLang="en-US"/>
           </a:p>
@@ -3545,7 +3545,7 @@
             <a:lum/>
           </a:blip>
           <a:srcRect/>
-          <a:tile tx="0" ty="0" sx="20000" sy="20000" flip="none" algn="tl"/>
+          <a:tile tx="-57150" ty="38100" sx="20000" sy="20000" flip="none" algn="tl"/>
         </a:blipFill>
         <a:effectLst/>
       </p:bgPr>

--- a/PSD/タイトルロゴ.pptx
+++ b/PSD/タイトルロゴ.pptx
@@ -244,7 +244,7 @@
           <a:p>
             <a:fld id="{C92A50A5-6C9A-4B23-8BB7-84BD7268E78E}" type="datetimeFigureOut">
               <a:rPr kumimoji="1" lang="ja-JP" altLang="en-US" smtClean="0"/>
-              <a:t>2022/11/9</a:t>
+              <a:t>2022/11/18</a:t>
             </a:fld>
             <a:endParaRPr kumimoji="1" lang="ja-JP" altLang="en-US"/>
           </a:p>
@@ -446,7 +446,7 @@
           <a:p>
             <a:fld id="{C92A50A5-6C9A-4B23-8BB7-84BD7268E78E}" type="datetimeFigureOut">
               <a:rPr kumimoji="1" lang="ja-JP" altLang="en-US" smtClean="0"/>
-              <a:t>2022/11/9</a:t>
+              <a:t>2022/11/18</a:t>
             </a:fld>
             <a:endParaRPr kumimoji="1" lang="ja-JP" altLang="en-US"/>
           </a:p>
@@ -658,7 +658,7 @@
           <a:p>
             <a:fld id="{C92A50A5-6C9A-4B23-8BB7-84BD7268E78E}" type="datetimeFigureOut">
               <a:rPr kumimoji="1" lang="ja-JP" altLang="en-US" smtClean="0"/>
-              <a:t>2022/11/9</a:t>
+              <a:t>2022/11/18</a:t>
             </a:fld>
             <a:endParaRPr kumimoji="1" lang="ja-JP" altLang="en-US"/>
           </a:p>
@@ -860,7 +860,7 @@
           <a:p>
             <a:fld id="{C92A50A5-6C9A-4B23-8BB7-84BD7268E78E}" type="datetimeFigureOut">
               <a:rPr kumimoji="1" lang="ja-JP" altLang="en-US" smtClean="0"/>
-              <a:t>2022/11/9</a:t>
+              <a:t>2022/11/18</a:t>
             </a:fld>
             <a:endParaRPr kumimoji="1" lang="ja-JP" altLang="en-US"/>
           </a:p>
@@ -1106,7 +1106,7 @@
           <a:p>
             <a:fld id="{C92A50A5-6C9A-4B23-8BB7-84BD7268E78E}" type="datetimeFigureOut">
               <a:rPr kumimoji="1" lang="ja-JP" altLang="en-US" smtClean="0"/>
-              <a:t>2022/11/9</a:t>
+              <a:t>2022/11/18</a:t>
             </a:fld>
             <a:endParaRPr kumimoji="1" lang="ja-JP" altLang="en-US"/>
           </a:p>
@@ -1402,7 +1402,7 @@
           <a:p>
             <a:fld id="{C92A50A5-6C9A-4B23-8BB7-84BD7268E78E}" type="datetimeFigureOut">
               <a:rPr kumimoji="1" lang="ja-JP" altLang="en-US" smtClean="0"/>
-              <a:t>2022/11/9</a:t>
+              <a:t>2022/11/18</a:t>
             </a:fld>
             <a:endParaRPr kumimoji="1" lang="ja-JP" altLang="en-US"/>
           </a:p>
@@ -1833,7 +1833,7 @@
           <a:p>
             <a:fld id="{C92A50A5-6C9A-4B23-8BB7-84BD7268E78E}" type="datetimeFigureOut">
               <a:rPr kumimoji="1" lang="ja-JP" altLang="en-US" smtClean="0"/>
-              <a:t>2022/11/9</a:t>
+              <a:t>2022/11/18</a:t>
             </a:fld>
             <a:endParaRPr kumimoji="1" lang="ja-JP" altLang="en-US"/>
           </a:p>
@@ -1951,7 +1951,7 @@
           <a:p>
             <a:fld id="{C92A50A5-6C9A-4B23-8BB7-84BD7268E78E}" type="datetimeFigureOut">
               <a:rPr kumimoji="1" lang="ja-JP" altLang="en-US" smtClean="0"/>
-              <a:t>2022/11/9</a:t>
+              <a:t>2022/11/18</a:t>
             </a:fld>
             <a:endParaRPr kumimoji="1" lang="ja-JP" altLang="en-US"/>
           </a:p>
@@ -2046,7 +2046,7 @@
           <a:p>
             <a:fld id="{C92A50A5-6C9A-4B23-8BB7-84BD7268E78E}" type="datetimeFigureOut">
               <a:rPr kumimoji="1" lang="ja-JP" altLang="en-US" smtClean="0"/>
-              <a:t>2022/11/9</a:t>
+              <a:t>2022/11/18</a:t>
             </a:fld>
             <a:endParaRPr kumimoji="1" lang="ja-JP" altLang="en-US"/>
           </a:p>
@@ -2355,7 +2355,7 @@
           <a:p>
             <a:fld id="{C92A50A5-6C9A-4B23-8BB7-84BD7268E78E}" type="datetimeFigureOut">
               <a:rPr kumimoji="1" lang="ja-JP" altLang="en-US" smtClean="0"/>
-              <a:t>2022/11/9</a:t>
+              <a:t>2022/11/18</a:t>
             </a:fld>
             <a:endParaRPr kumimoji="1" lang="ja-JP" altLang="en-US"/>
           </a:p>
@@ -2608,7 +2608,7 @@
           <a:p>
             <a:fld id="{C92A50A5-6C9A-4B23-8BB7-84BD7268E78E}" type="datetimeFigureOut">
               <a:rPr kumimoji="1" lang="ja-JP" altLang="en-US" smtClean="0"/>
-              <a:t>2022/11/9</a:t>
+              <a:t>2022/11/18</a:t>
             </a:fld>
             <a:endParaRPr kumimoji="1" lang="ja-JP" altLang="en-US"/>
           </a:p>
@@ -2853,7 +2853,7 @@
           <a:p>
             <a:fld id="{C92A50A5-6C9A-4B23-8BB7-84BD7268E78E}" type="datetimeFigureOut">
               <a:rPr kumimoji="1" lang="ja-JP" altLang="en-US" smtClean="0"/>
-              <a:t>2022/11/9</a:t>
+              <a:t>2022/11/18</a:t>
             </a:fld>
             <a:endParaRPr kumimoji="1" lang="ja-JP" altLang="en-US"/>
           </a:p>
@@ -3244,6 +3244,14 @@
 <file path=ppt/slides/slide1.xml><?xml version="1.0" encoding="utf-8"?>
 <p:sld xmlns:a="http://schemas.openxmlformats.org/drawingml/2006/main" xmlns:r="http://schemas.openxmlformats.org/officeDocument/2006/relationships" xmlns:p="http://schemas.openxmlformats.org/presentationml/2006/main">
   <p:cSld>
+    <p:bg>
+      <p:bgPr>
+        <a:solidFill>
+          <a:srgbClr val="C9DFFA"/>
+        </a:solidFill>
+        <a:effectLst/>
+      </p:bgPr>
+    </p:bg>
     <p:spTree>
       <p:nvGrpSpPr>
         <p:cNvPr id="1" name=""/>
@@ -3372,29 +3380,33 @@
           <a:p>
             <a:r>
               <a:rPr lang="ja-JP" altLang="en-US" sz="6000" dirty="0" smtClean="0">
-                <a:ln w="6350">
+                <a:ln w="28575">
                   <a:solidFill>
                     <a:schemeClr val="tx1"/>
                   </a:solidFill>
                 </a:ln>
                 <a:gradFill flip="none" rotWithShape="1">
                   <a:gsLst>
+                    <a:gs pos="49000">
+                      <a:srgbClr val="FFFF00"/>
+                    </a:gs>
                     <a:gs pos="0">
-                      <a:schemeClr val="accent1">
-                        <a:lumMod val="20000"/>
-                        <a:lumOff val="80000"/>
-                      </a:schemeClr>
+                      <a:srgbClr val="FFFF00">
+                        <a:tint val="44500"/>
+                        <a:satMod val="160000"/>
+                      </a:srgbClr>
                     </a:gs>
                     <a:gs pos="100000">
-                      <a:schemeClr val="accent1"/>
+                      <a:srgbClr val="FFFFDA"/>
                     </a:gs>
                   </a:gsLst>
-                  <a:lin ang="2700000" scaled="1"/>
+                  <a:lin ang="16200000" scaled="1"/>
                   <a:tileRect/>
                 </a:gradFill>
                 <a:effectLst>
-                  <a:glow rad="101600">
-                    <a:schemeClr val="accent1">
+                  <a:glow rad="228600">
+                    <a:schemeClr val="accent2">
+                      <a:satMod val="175000"/>
                       <a:alpha val="40000"/>
                     </a:schemeClr>
                   </a:glow>
@@ -3405,29 +3417,33 @@
               <a:t>ファイティングゴーカート</a:t>
             </a:r>
             <a:endParaRPr lang="ja-JP" altLang="en-US" sz="6000" dirty="0">
-              <a:ln w="6350">
+              <a:ln w="28575">
                 <a:solidFill>
                   <a:schemeClr val="tx1"/>
                 </a:solidFill>
               </a:ln>
               <a:gradFill flip="none" rotWithShape="1">
                 <a:gsLst>
+                  <a:gs pos="49000">
+                    <a:srgbClr val="FFFF00"/>
+                  </a:gs>
                   <a:gs pos="0">
-                    <a:schemeClr val="accent1">
-                      <a:lumMod val="20000"/>
-                      <a:lumOff val="80000"/>
-                    </a:schemeClr>
+                    <a:srgbClr val="FFFF00">
+                      <a:tint val="44500"/>
+                      <a:satMod val="160000"/>
+                    </a:srgbClr>
                   </a:gs>
                   <a:gs pos="100000">
-                    <a:schemeClr val="accent1"/>
+                    <a:srgbClr val="FFFFDA"/>
                   </a:gs>
                 </a:gsLst>
-                <a:lin ang="2700000" scaled="1"/>
+                <a:lin ang="16200000" scaled="1"/>
                 <a:tileRect/>
               </a:gradFill>
               <a:effectLst>
-                <a:glow rad="101600">
-                  <a:schemeClr val="accent1">
+                <a:glow rad="228600">
+                  <a:schemeClr val="accent2">
+                    <a:satMod val="175000"/>
                     <a:alpha val="40000"/>
                   </a:schemeClr>
                 </a:glow>
@@ -3630,7 +3646,7 @@
         <p:spPr>
           <a:xfrm>
             <a:off x="2346961" y="0"/>
-            <a:ext cx="7498080" cy="1107996"/>
+            <a:ext cx="3768089" cy="1107996"/>
           </a:xfrm>
           <a:prstGeom prst="rect">
             <a:avLst/>
@@ -3647,38 +3663,31 @@
             <a:r>
               <a:rPr kumimoji="1" lang="ja-JP" altLang="en-US" sz="6600" dirty="0" smtClean="0">
                 <a:ln w="0"/>
-                <a:gradFill>
+                <a:gradFill flip="none" rotWithShape="1">
                   <a:gsLst>
-                    <a:gs pos="0">
-                      <a:schemeClr val="accent1">
-                        <a:lumMod val="5000"/>
-                        <a:lumOff val="95000"/>
+                    <a:gs pos="25000">
+                      <a:schemeClr val="accent4">
+                        <a:lumMod val="20000"/>
+                        <a:lumOff val="80000"/>
                       </a:schemeClr>
                     </a:gs>
-                    <a:gs pos="74000">
-                      <a:schemeClr val="accent1">
-                        <a:lumMod val="45000"/>
-                        <a:lumOff val="55000"/>
-                      </a:schemeClr>
+                    <a:gs pos="50000">
+                      <a:schemeClr val="accent4"/>
                     </a:gs>
-                    <a:gs pos="83000">
-                      <a:schemeClr val="accent1">
-                        <a:lumMod val="45000"/>
-                        <a:lumOff val="55000"/>
-                      </a:schemeClr>
-                    </a:gs>
-                    <a:gs pos="100000">
-                      <a:schemeClr val="accent1">
-                        <a:lumMod val="30000"/>
-                        <a:lumOff val="70000"/>
+                    <a:gs pos="84000">
+                      <a:schemeClr val="accent4">
+                        <a:tint val="23500"/>
+                        <a:satMod val="160000"/>
                       </a:schemeClr>
                     </a:gs>
                   </a:gsLst>
-                  <a:lin ang="5400000" scaled="1"/>
+                  <a:lin ang="5400000" scaled="0"/>
+                  <a:tileRect/>
                 </a:gradFill>
                 <a:effectLst>
-                  <a:glow rad="101600">
-                    <a:schemeClr val="accent1">
+                  <a:glow rad="139700">
+                    <a:schemeClr val="accent4">
+                      <a:satMod val="175000"/>
                       <a:alpha val="40000"/>
                     </a:schemeClr>
                   </a:glow>
@@ -3688,45 +3697,38 @@
                     </a:srgbClr>
                   </a:outerShdw>
                 </a:effectLst>
-                <a:latin typeface="ふんわりラウンド" panose="02000700000000000000" pitchFamily="50" charset="-128"/>
-                <a:ea typeface="ふんわりラウンド" panose="02000700000000000000" pitchFamily="50" charset="-128"/>
+                <a:latin typeface="レゲエ One" panose="00000800000000000000" pitchFamily="2" charset="-128"/>
+                <a:ea typeface="レゲエ One" panose="00000800000000000000" pitchFamily="2" charset="-128"/>
               </a:rPr>
-              <a:t>けっかはっぴょう</a:t>
+              <a:t>結果発表</a:t>
             </a:r>
             <a:endParaRPr kumimoji="1" lang="ja-JP" altLang="en-US" dirty="0">
               <a:ln w="0"/>
-              <a:gradFill>
+              <a:gradFill flip="none" rotWithShape="1">
                 <a:gsLst>
-                  <a:gs pos="0">
-                    <a:schemeClr val="accent1">
-                      <a:lumMod val="5000"/>
-                      <a:lumOff val="95000"/>
+                  <a:gs pos="25000">
+                    <a:schemeClr val="accent4">
+                      <a:lumMod val="20000"/>
+                      <a:lumOff val="80000"/>
                     </a:schemeClr>
                   </a:gs>
-                  <a:gs pos="74000">
-                    <a:schemeClr val="accent1">
-                      <a:lumMod val="45000"/>
-                      <a:lumOff val="55000"/>
-                    </a:schemeClr>
+                  <a:gs pos="50000">
+                    <a:schemeClr val="accent4"/>
                   </a:gs>
-                  <a:gs pos="83000">
-                    <a:schemeClr val="accent1">
-                      <a:lumMod val="45000"/>
-                      <a:lumOff val="55000"/>
-                    </a:schemeClr>
-                  </a:gs>
-                  <a:gs pos="100000">
-                    <a:schemeClr val="accent1">
-                      <a:lumMod val="30000"/>
-                      <a:lumOff val="70000"/>
+                  <a:gs pos="84000">
+                    <a:schemeClr val="accent4">
+                      <a:tint val="23500"/>
+                      <a:satMod val="160000"/>
                     </a:schemeClr>
                   </a:gs>
                 </a:gsLst>
-                <a:lin ang="5400000" scaled="1"/>
+                <a:lin ang="5400000" scaled="0"/>
+                <a:tileRect/>
               </a:gradFill>
               <a:effectLst>
-                <a:glow rad="101600">
-                  <a:schemeClr val="accent1">
+                <a:glow rad="139700">
+                  <a:schemeClr val="accent4">
+                    <a:satMod val="175000"/>
                     <a:alpha val="40000"/>
                   </a:schemeClr>
                 </a:glow>
@@ -3736,8 +3738,8 @@
                   </a:srgbClr>
                 </a:outerShdw>
               </a:effectLst>
-              <a:latin typeface="ふんわりラウンド" panose="02000700000000000000" pitchFamily="50" charset="-128"/>
-              <a:ea typeface="ふんわりラウンド" panose="02000700000000000000" pitchFamily="50" charset="-128"/>
+              <a:latin typeface="レゲエ One" panose="00000800000000000000" pitchFamily="2" charset="-128"/>
+              <a:ea typeface="レゲエ One" panose="00000800000000000000" pitchFamily="2" charset="-128"/>
             </a:endParaRPr>
           </a:p>
         </p:txBody>

--- a/PSD/タイトルロゴ.pptx
+++ b/PSD/タイトルロゴ.pptx
@@ -3645,7 +3645,7 @@
         </p:nvSpPr>
         <p:spPr>
           <a:xfrm>
-            <a:off x="2346961" y="0"/>
+            <a:off x="4211956" y="0"/>
             <a:ext cx="3768089" cy="1107996"/>
           </a:xfrm>
           <a:prstGeom prst="rect">

--- a/PSD/タイトルロゴ.pptx
+++ b/PSD/タイトルロゴ.pptx
@@ -244,7 +244,7 @@
           <a:p>
             <a:fld id="{C92A50A5-6C9A-4B23-8BB7-84BD7268E78E}" type="datetimeFigureOut">
               <a:rPr kumimoji="1" lang="ja-JP" altLang="en-US" smtClean="0"/>
-              <a:t>2022/11/18</a:t>
+              <a:t>2022/11/21</a:t>
             </a:fld>
             <a:endParaRPr kumimoji="1" lang="ja-JP" altLang="en-US"/>
           </a:p>
@@ -446,7 +446,7 @@
           <a:p>
             <a:fld id="{C92A50A5-6C9A-4B23-8BB7-84BD7268E78E}" type="datetimeFigureOut">
               <a:rPr kumimoji="1" lang="ja-JP" altLang="en-US" smtClean="0"/>
-              <a:t>2022/11/18</a:t>
+              <a:t>2022/11/21</a:t>
             </a:fld>
             <a:endParaRPr kumimoji="1" lang="ja-JP" altLang="en-US"/>
           </a:p>
@@ -658,7 +658,7 @@
           <a:p>
             <a:fld id="{C92A50A5-6C9A-4B23-8BB7-84BD7268E78E}" type="datetimeFigureOut">
               <a:rPr kumimoji="1" lang="ja-JP" altLang="en-US" smtClean="0"/>
-              <a:t>2022/11/18</a:t>
+              <a:t>2022/11/21</a:t>
             </a:fld>
             <a:endParaRPr kumimoji="1" lang="ja-JP" altLang="en-US"/>
           </a:p>
@@ -860,7 +860,7 @@
           <a:p>
             <a:fld id="{C92A50A5-6C9A-4B23-8BB7-84BD7268E78E}" type="datetimeFigureOut">
               <a:rPr kumimoji="1" lang="ja-JP" altLang="en-US" smtClean="0"/>
-              <a:t>2022/11/18</a:t>
+              <a:t>2022/11/21</a:t>
             </a:fld>
             <a:endParaRPr kumimoji="1" lang="ja-JP" altLang="en-US"/>
           </a:p>
@@ -1106,7 +1106,7 @@
           <a:p>
             <a:fld id="{C92A50A5-6C9A-4B23-8BB7-84BD7268E78E}" type="datetimeFigureOut">
               <a:rPr kumimoji="1" lang="ja-JP" altLang="en-US" smtClean="0"/>
-              <a:t>2022/11/18</a:t>
+              <a:t>2022/11/21</a:t>
             </a:fld>
             <a:endParaRPr kumimoji="1" lang="ja-JP" altLang="en-US"/>
           </a:p>
@@ -1402,7 +1402,7 @@
           <a:p>
             <a:fld id="{C92A50A5-6C9A-4B23-8BB7-84BD7268E78E}" type="datetimeFigureOut">
               <a:rPr kumimoji="1" lang="ja-JP" altLang="en-US" smtClean="0"/>
-              <a:t>2022/11/18</a:t>
+              <a:t>2022/11/21</a:t>
             </a:fld>
             <a:endParaRPr kumimoji="1" lang="ja-JP" altLang="en-US"/>
           </a:p>
@@ -1833,7 +1833,7 @@
           <a:p>
             <a:fld id="{C92A50A5-6C9A-4B23-8BB7-84BD7268E78E}" type="datetimeFigureOut">
               <a:rPr kumimoji="1" lang="ja-JP" altLang="en-US" smtClean="0"/>
-              <a:t>2022/11/18</a:t>
+              <a:t>2022/11/21</a:t>
             </a:fld>
             <a:endParaRPr kumimoji="1" lang="ja-JP" altLang="en-US"/>
           </a:p>
@@ -1951,7 +1951,7 @@
           <a:p>
             <a:fld id="{C92A50A5-6C9A-4B23-8BB7-84BD7268E78E}" type="datetimeFigureOut">
               <a:rPr kumimoji="1" lang="ja-JP" altLang="en-US" smtClean="0"/>
-              <a:t>2022/11/18</a:t>
+              <a:t>2022/11/21</a:t>
             </a:fld>
             <a:endParaRPr kumimoji="1" lang="ja-JP" altLang="en-US"/>
           </a:p>
@@ -2046,7 +2046,7 @@
           <a:p>
             <a:fld id="{C92A50A5-6C9A-4B23-8BB7-84BD7268E78E}" type="datetimeFigureOut">
               <a:rPr kumimoji="1" lang="ja-JP" altLang="en-US" smtClean="0"/>
-              <a:t>2022/11/18</a:t>
+              <a:t>2022/11/21</a:t>
             </a:fld>
             <a:endParaRPr kumimoji="1" lang="ja-JP" altLang="en-US"/>
           </a:p>
@@ -2355,7 +2355,7 @@
           <a:p>
             <a:fld id="{C92A50A5-6C9A-4B23-8BB7-84BD7268E78E}" type="datetimeFigureOut">
               <a:rPr kumimoji="1" lang="ja-JP" altLang="en-US" smtClean="0"/>
-              <a:t>2022/11/18</a:t>
+              <a:t>2022/11/21</a:t>
             </a:fld>
             <a:endParaRPr kumimoji="1" lang="ja-JP" altLang="en-US"/>
           </a:p>
@@ -2608,7 +2608,7 @@
           <a:p>
             <a:fld id="{C92A50A5-6C9A-4B23-8BB7-84BD7268E78E}" type="datetimeFigureOut">
               <a:rPr kumimoji="1" lang="ja-JP" altLang="en-US" smtClean="0"/>
-              <a:t>2022/11/18</a:t>
+              <a:t>2022/11/21</a:t>
             </a:fld>
             <a:endParaRPr kumimoji="1" lang="ja-JP" altLang="en-US"/>
           </a:p>
@@ -2853,7 +2853,7 @@
           <a:p>
             <a:fld id="{C92A50A5-6C9A-4B23-8BB7-84BD7268E78E}" type="datetimeFigureOut">
               <a:rPr kumimoji="1" lang="ja-JP" altLang="en-US" smtClean="0"/>
-              <a:t>2022/11/18</a:t>
+              <a:t>2022/11/21</a:t>
             </a:fld>
             <a:endParaRPr kumimoji="1" lang="ja-JP" altLang="en-US"/>
           </a:p>
@@ -3378,8 +3378,9 @@
           </a:bodyPr>
           <a:lstStyle/>
           <a:p>
-            <a:r>
-              <a:rPr lang="ja-JP" altLang="en-US" sz="6000" dirty="0" smtClean="0">
+            <a:pPr algn="ctr"/>
+            <a:r>
+              <a:rPr lang="ja-JP" altLang="en-US" sz="6000" smtClean="0">
                 <a:ln w="28575">
                   <a:solidFill>
                     <a:schemeClr val="tx1"/>
@@ -3410,11 +3411,17 @@
                       <a:alpha val="40000"/>
                     </a:schemeClr>
                   </a:glow>
+                  <a:outerShdw blurRad="38100" dist="38100" dir="2700000" algn="tl">
+                    <a:srgbClr val="000000">
+                      <a:alpha val="43137"/>
+                    </a:srgbClr>
+                  </a:outerShdw>
                 </a:effectLst>
-                <a:latin typeface="チェックポイントフォント" panose="02000600000000000000" pitchFamily="2" charset="-128"/>
-                <a:ea typeface="チェックポイントフォント" panose="02000600000000000000" pitchFamily="2" charset="-128"/>
+                <a:latin typeface="トガリテ Black" pitchFamily="50" charset="-128"/>
+                <a:ea typeface="トガリテ Black" pitchFamily="50" charset="-128"/>
+                <a:cs typeface="トガリテ Black" pitchFamily="50" charset="-128"/>
               </a:rPr>
-              <a:t>ファイティングゴーカート</a:t>
+              <a:t>！バルーンハント！</a:t>
             </a:r>
             <a:endParaRPr lang="ja-JP" altLang="en-US" sz="6000" dirty="0">
               <a:ln w="28575">
@@ -3447,9 +3454,15 @@
                     <a:alpha val="40000"/>
                   </a:schemeClr>
                 </a:glow>
+                <a:outerShdw blurRad="38100" dist="38100" dir="2700000" algn="tl">
+                  <a:srgbClr val="000000">
+                    <a:alpha val="43137"/>
+                  </a:srgbClr>
+                </a:outerShdw>
               </a:effectLst>
-              <a:latin typeface="チェックポイントフォント" panose="02000600000000000000" pitchFamily="2" charset="-128"/>
-              <a:ea typeface="チェックポイントフォント" panose="02000600000000000000" pitchFamily="2" charset="-128"/>
+              <a:latin typeface="トガリテ Black" pitchFamily="50" charset="-128"/>
+              <a:ea typeface="トガリテ Black" pitchFamily="50" charset="-128"/>
+              <a:cs typeface="トガリテ Black" pitchFamily="50" charset="-128"/>
             </a:endParaRPr>
           </a:p>
         </p:txBody>

--- a/PSD/タイトルロゴ.pptx
+++ b/PSD/タイトルロゴ.pptx
@@ -3365,7 +3365,7 @@
         <p:spPr>
           <a:xfrm>
             <a:off x="1051335" y="2759402"/>
-            <a:ext cx="10257865" cy="1015663"/>
+            <a:ext cx="10257865" cy="1323439"/>
           </a:xfrm>
           <a:prstGeom prst="rect">
             <a:avLst/>
@@ -3380,7 +3380,7 @@
           <a:p>
             <a:pPr algn="ctr"/>
             <a:r>
-              <a:rPr lang="ja-JP" altLang="en-US" sz="6000" smtClean="0">
+              <a:rPr lang="ja-JP" altLang="en-US" sz="8000" dirty="0" smtClean="0">
                 <a:ln w="28575">
                   <a:solidFill>
                     <a:schemeClr val="tx1"/>
@@ -3423,7 +3423,7 @@
               </a:rPr>
               <a:t>！バルーンハント！</a:t>
             </a:r>
-            <a:endParaRPr lang="ja-JP" altLang="en-US" sz="6000" dirty="0">
+            <a:endParaRPr lang="ja-JP" altLang="en-US" sz="8000" dirty="0">
               <a:ln w="28575">
                 <a:solidFill>
                   <a:schemeClr val="tx1"/>
